--- a/lectures materials/mmp/MMP1 basics for start.pptx
+++ b/lectures materials/mmp/MMP1 basics for start.pptx
@@ -665,7 +665,7 @@
           <p:cNvPr id="2" name="Заголовок 1">
             <a:extLst>
               <a:ext uri="{FF2B5EF4-FFF2-40B4-BE49-F238E27FC236}">
-                <a16:creationId xmlns:a16="http://schemas.microsoft.com/office/drawing/2014/main" xmlns="" id="{87E1FD8D-8D36-3A81-E768-AF35BA84C6A5}"/>
+                <a16:creationId xmlns="" xmlns:a16="http://schemas.microsoft.com/office/drawing/2014/main" id="{87E1FD8D-8D36-3A81-E768-AF35BA84C6A5}"/>
               </a:ext>
             </a:extLst>
           </p:cNvPr>
@@ -693,7 +693,7 @@
           <p:cNvPr id="3" name="Місце для вмісту 2">
             <a:extLst>
               <a:ext uri="{FF2B5EF4-FFF2-40B4-BE49-F238E27FC236}">
-                <a16:creationId xmlns:a16="http://schemas.microsoft.com/office/drawing/2014/main" xmlns="" id="{2F7EF97F-85F4-84E2-D251-54B3E193A9BC}"/>
+                <a16:creationId xmlns="" xmlns:a16="http://schemas.microsoft.com/office/drawing/2014/main" id="{2F7EF97F-85F4-84E2-D251-54B3E193A9BC}"/>
               </a:ext>
             </a:extLst>
           </p:cNvPr>
@@ -750,7 +750,7 @@
           <p:cNvPr id="4" name="Місце для дати 3">
             <a:extLst>
               <a:ext uri="{FF2B5EF4-FFF2-40B4-BE49-F238E27FC236}">
-                <a16:creationId xmlns:a16="http://schemas.microsoft.com/office/drawing/2014/main" xmlns="" id="{DC73EC21-D882-27BA-E0D2-0BDB1B1E6C0D}"/>
+                <a16:creationId xmlns="" xmlns:a16="http://schemas.microsoft.com/office/drawing/2014/main" id="{DC73EC21-D882-27BA-E0D2-0BDB1B1E6C0D}"/>
               </a:ext>
             </a:extLst>
           </p:cNvPr>
@@ -768,7 +768,7 @@
           <a:p>
             <a:fld id="{AC3606AF-6793-4EB5-8054-2D0129135545}" type="datetimeFigureOut">
               <a:rPr lang="uk-UA" smtClean="0"/>
-              <a:t>16.03.2025</a:t>
+              <a:t>23.03.2025</a:t>
             </a:fld>
             <a:endParaRPr lang="uk-UA"/>
           </a:p>
@@ -779,7 +779,7 @@
           <p:cNvPr id="5" name="Місце для нижнього колонтитула 4">
             <a:extLst>
               <a:ext uri="{FF2B5EF4-FFF2-40B4-BE49-F238E27FC236}">
-                <a16:creationId xmlns:a16="http://schemas.microsoft.com/office/drawing/2014/main" xmlns="" id="{2A7552EB-73A1-D038-87DB-5708CF6D170C}"/>
+                <a16:creationId xmlns="" xmlns:a16="http://schemas.microsoft.com/office/drawing/2014/main" id="{2A7552EB-73A1-D038-87DB-5708CF6D170C}"/>
               </a:ext>
             </a:extLst>
           </p:cNvPr>
@@ -804,7 +804,7 @@
           <p:cNvPr id="6" name="Місце для номера слайда 5">
             <a:extLst>
               <a:ext uri="{FF2B5EF4-FFF2-40B4-BE49-F238E27FC236}">
-                <a16:creationId xmlns:a16="http://schemas.microsoft.com/office/drawing/2014/main" xmlns="" id="{42C8F2BE-5B3B-FF79-1560-74C464403ADE}"/>
+                <a16:creationId xmlns="" xmlns:a16="http://schemas.microsoft.com/office/drawing/2014/main" id="{42C8F2BE-5B3B-FF79-1560-74C464403ADE}"/>
               </a:ext>
             </a:extLst>
           </p:cNvPr>
@@ -4834,7 +4834,7 @@
           <p:cNvPr id="2" name="Заголовок 1">
             <a:extLst>
               <a:ext uri="{FF2B5EF4-FFF2-40B4-BE49-F238E27FC236}">
-                <a16:creationId xmlns:a16="http://schemas.microsoft.com/office/drawing/2014/main" xmlns="" id="{4E9649D1-DFBB-EBED-6181-81B755F185E9}"/>
+                <a16:creationId xmlns="" xmlns:a16="http://schemas.microsoft.com/office/drawing/2014/main" id="{4E9649D1-DFBB-EBED-6181-81B755F185E9}"/>
               </a:ext>
             </a:extLst>
           </p:cNvPr>
@@ -4878,7 +4878,7 @@
           <p:cNvPr id="3" name="Підзаголовок 2">
             <a:extLst>
               <a:ext uri="{FF2B5EF4-FFF2-40B4-BE49-F238E27FC236}">
-                <a16:creationId xmlns:a16="http://schemas.microsoft.com/office/drawing/2014/main" xmlns="" id="{45362A47-CB25-2C82-927C-1CC2D55BFD10}"/>
+                <a16:creationId xmlns="" xmlns:a16="http://schemas.microsoft.com/office/drawing/2014/main" id="{45362A47-CB25-2C82-927C-1CC2D55BFD10}"/>
               </a:ext>
             </a:extLst>
           </p:cNvPr>
@@ -4960,7 +4960,7 @@
           <p:cNvPr id="2" name="Заголовок 1">
             <a:extLst>
               <a:ext uri="{FF2B5EF4-FFF2-40B4-BE49-F238E27FC236}">
-                <a16:creationId xmlns:a16="http://schemas.microsoft.com/office/drawing/2014/main" xmlns="" id="{47DA08B9-ADFB-2DE1-86F3-0212649850D9}"/>
+                <a16:creationId xmlns="" xmlns:a16="http://schemas.microsoft.com/office/drawing/2014/main" id="{47DA08B9-ADFB-2DE1-86F3-0212649850D9}"/>
               </a:ext>
             </a:extLst>
           </p:cNvPr>
@@ -4989,7 +4989,7 @@
           <p:cNvPr id="3" name="Місце для вмісту 2">
             <a:extLst>
               <a:ext uri="{FF2B5EF4-FFF2-40B4-BE49-F238E27FC236}">
-                <a16:creationId xmlns:a16="http://schemas.microsoft.com/office/drawing/2014/main" xmlns="" id="{F656CF6A-30CC-7CDA-5E46-C6B092BDC063}"/>
+                <a16:creationId xmlns="" xmlns:a16="http://schemas.microsoft.com/office/drawing/2014/main" id="{F656CF6A-30CC-7CDA-5E46-C6B092BDC063}"/>
               </a:ext>
             </a:extLst>
           </p:cNvPr>
@@ -5068,7 +5068,7 @@
           <p:cNvPr id="2" name="Заголовок 1">
             <a:extLst>
               <a:ext uri="{FF2B5EF4-FFF2-40B4-BE49-F238E27FC236}">
-                <a16:creationId xmlns:a16="http://schemas.microsoft.com/office/drawing/2014/main" xmlns="" id="{3A228CEF-BE19-BEBB-9E54-6600346EE6A1}"/>
+                <a16:creationId xmlns="" xmlns:a16="http://schemas.microsoft.com/office/drawing/2014/main" id="{3A228CEF-BE19-BEBB-9E54-6600346EE6A1}"/>
               </a:ext>
             </a:extLst>
           </p:cNvPr>
@@ -5099,7 +5099,7 @@
           <p:cNvPr id="3" name="Місце для вмісту 2">
             <a:extLst>
               <a:ext uri="{FF2B5EF4-FFF2-40B4-BE49-F238E27FC236}">
-                <a16:creationId xmlns:a16="http://schemas.microsoft.com/office/drawing/2014/main" xmlns="" id="{B69CCEDA-972D-F806-5B8A-F0786E3D3C7C}"/>
+                <a16:creationId xmlns="" xmlns:a16="http://schemas.microsoft.com/office/drawing/2014/main" id="{B69CCEDA-972D-F806-5B8A-F0786E3D3C7C}"/>
               </a:ext>
             </a:extLst>
           </p:cNvPr>
@@ -5291,7 +5291,7 @@
           <p:cNvPr id="2" name="Заголовок 1">
             <a:extLst>
               <a:ext uri="{FF2B5EF4-FFF2-40B4-BE49-F238E27FC236}">
-                <a16:creationId xmlns:a16="http://schemas.microsoft.com/office/drawing/2014/main" xmlns="" id="{6DD540EC-262C-CC01-2733-85D70F81A50A}"/>
+                <a16:creationId xmlns="" xmlns:a16="http://schemas.microsoft.com/office/drawing/2014/main" id="{6DD540EC-262C-CC01-2733-85D70F81A50A}"/>
               </a:ext>
             </a:extLst>
           </p:cNvPr>
@@ -5326,7 +5326,7 @@
           <p:cNvPr id="3" name="Місце для вмісту 2">
             <a:extLst>
               <a:ext uri="{FF2B5EF4-FFF2-40B4-BE49-F238E27FC236}">
-                <a16:creationId xmlns:a16="http://schemas.microsoft.com/office/drawing/2014/main" xmlns="" id="{37325439-F2B1-39E0-B6FF-9D1FFE828D84}"/>
+                <a16:creationId xmlns="" xmlns:a16="http://schemas.microsoft.com/office/drawing/2014/main" id="{37325439-F2B1-39E0-B6FF-9D1FFE828D84}"/>
               </a:ext>
             </a:extLst>
           </p:cNvPr>
@@ -5511,7 +5511,7 @@
           <p:cNvPr id="2" name="Заголовок 1">
             <a:extLst>
               <a:ext uri="{FF2B5EF4-FFF2-40B4-BE49-F238E27FC236}">
-                <a16:creationId xmlns:a16="http://schemas.microsoft.com/office/drawing/2014/main" xmlns="" id="{B391A944-F04B-939E-E827-7A6865032C86}"/>
+                <a16:creationId xmlns="" xmlns:a16="http://schemas.microsoft.com/office/drawing/2014/main" id="{B391A944-F04B-939E-E827-7A6865032C86}"/>
               </a:ext>
             </a:extLst>
           </p:cNvPr>
@@ -5546,7 +5546,7 @@
           <p:cNvPr id="3" name="Місце для вмісту 2">
             <a:extLst>
               <a:ext uri="{FF2B5EF4-FFF2-40B4-BE49-F238E27FC236}">
-                <a16:creationId xmlns:a16="http://schemas.microsoft.com/office/drawing/2014/main" xmlns="" id="{E04CF468-0959-6757-6826-261171AE3D85}"/>
+                <a16:creationId xmlns="" xmlns:a16="http://schemas.microsoft.com/office/drawing/2014/main" id="{E04CF468-0959-6757-6826-261171AE3D85}"/>
               </a:ext>
             </a:extLst>
           </p:cNvPr>
@@ -5663,7 +5663,7 @@
           <p:cNvPr id="2" name="Заголовок 1">
             <a:extLst>
               <a:ext uri="{FF2B5EF4-FFF2-40B4-BE49-F238E27FC236}">
-                <a16:creationId xmlns:a16="http://schemas.microsoft.com/office/drawing/2014/main" xmlns="" id="{8AA06CEB-5CA1-FE79-8B50-E7267D9ED43B}"/>
+                <a16:creationId xmlns="" xmlns:a16="http://schemas.microsoft.com/office/drawing/2014/main" id="{8AA06CEB-5CA1-FE79-8B50-E7267D9ED43B}"/>
               </a:ext>
             </a:extLst>
           </p:cNvPr>
@@ -5693,7 +5693,7 @@
           <p:cNvPr id="3" name="Місце для вмісту 2">
             <a:extLst>
               <a:ext uri="{FF2B5EF4-FFF2-40B4-BE49-F238E27FC236}">
-                <a16:creationId xmlns:a16="http://schemas.microsoft.com/office/drawing/2014/main" xmlns="" id="{89C8131F-93A5-9204-8B71-305F01D206EF}"/>
+                <a16:creationId xmlns="" xmlns:a16="http://schemas.microsoft.com/office/drawing/2014/main" id="{89C8131F-93A5-9204-8B71-305F01D206EF}"/>
               </a:ext>
             </a:extLst>
           </p:cNvPr>
@@ -5762,7 +5762,7 @@
           <p:cNvPr id="2" name="Заголовок 1">
             <a:extLst>
               <a:ext uri="{FF2B5EF4-FFF2-40B4-BE49-F238E27FC236}">
-                <a16:creationId xmlns:a16="http://schemas.microsoft.com/office/drawing/2014/main" xmlns="" id="{1D27974C-DEC7-0431-AB3D-FF0721573F3E}"/>
+                <a16:creationId xmlns="" xmlns:a16="http://schemas.microsoft.com/office/drawing/2014/main" id="{1D27974C-DEC7-0431-AB3D-FF0721573F3E}"/>
               </a:ext>
             </a:extLst>
           </p:cNvPr>
@@ -5791,7 +5791,7 @@
           <p:cNvPr id="3" name="Місце для вмісту 2">
             <a:extLst>
               <a:ext uri="{FF2B5EF4-FFF2-40B4-BE49-F238E27FC236}">
-                <a16:creationId xmlns:a16="http://schemas.microsoft.com/office/drawing/2014/main" xmlns="" id="{13D7C39F-9AC3-F324-2680-CAE5E290BC71}"/>
+                <a16:creationId xmlns="" xmlns:a16="http://schemas.microsoft.com/office/drawing/2014/main" id="{13D7C39F-9AC3-F324-2680-CAE5E290BC71}"/>
               </a:ext>
             </a:extLst>
           </p:cNvPr>
@@ -5959,7 +5959,7 @@
           <p:cNvPr id="2" name="Заголовок 1">
             <a:extLst>
               <a:ext uri="{FF2B5EF4-FFF2-40B4-BE49-F238E27FC236}">
-                <a16:creationId xmlns:a16="http://schemas.microsoft.com/office/drawing/2014/main" xmlns="" id="{47DA08B9-ADFB-2DE1-86F3-0212649850D9}"/>
+                <a16:creationId xmlns="" xmlns:a16="http://schemas.microsoft.com/office/drawing/2014/main" id="{47DA08B9-ADFB-2DE1-86F3-0212649850D9}"/>
               </a:ext>
             </a:extLst>
           </p:cNvPr>
@@ -5988,7 +5988,7 @@
           <p:cNvPr id="3" name="Місце для вмісту 2">
             <a:extLst>
               <a:ext uri="{FF2B5EF4-FFF2-40B4-BE49-F238E27FC236}">
-                <a16:creationId xmlns:a16="http://schemas.microsoft.com/office/drawing/2014/main" xmlns="" id="{F656CF6A-30CC-7CDA-5E46-C6B092BDC063}"/>
+                <a16:creationId xmlns="" xmlns:a16="http://schemas.microsoft.com/office/drawing/2014/main" id="{F656CF6A-30CC-7CDA-5E46-C6B092BDC063}"/>
               </a:ext>
             </a:extLst>
           </p:cNvPr>
@@ -6089,7 +6089,7 @@
           <p:cNvPr id="2" name="Заголовок 1">
             <a:extLst>
               <a:ext uri="{FF2B5EF4-FFF2-40B4-BE49-F238E27FC236}">
-                <a16:creationId xmlns:a16="http://schemas.microsoft.com/office/drawing/2014/main" xmlns="" id="{47DA08B9-ADFB-2DE1-86F3-0212649850D9}"/>
+                <a16:creationId xmlns="" xmlns:a16="http://schemas.microsoft.com/office/drawing/2014/main" id="{47DA08B9-ADFB-2DE1-86F3-0212649850D9}"/>
               </a:ext>
             </a:extLst>
           </p:cNvPr>
@@ -6118,7 +6118,7 @@
           <p:cNvPr id="3" name="Місце для вмісту 2">
             <a:extLst>
               <a:ext uri="{FF2B5EF4-FFF2-40B4-BE49-F238E27FC236}">
-                <a16:creationId xmlns:a16="http://schemas.microsoft.com/office/drawing/2014/main" xmlns="" id="{F656CF6A-30CC-7CDA-5E46-C6B092BDC063}"/>
+                <a16:creationId xmlns="" xmlns:a16="http://schemas.microsoft.com/office/drawing/2014/main" id="{F656CF6A-30CC-7CDA-5E46-C6B092BDC063}"/>
               </a:ext>
             </a:extLst>
           </p:cNvPr>
@@ -6242,7 +6242,7 @@
           <p:cNvPr id="2" name="Заголовок 1">
             <a:extLst>
               <a:ext uri="{FF2B5EF4-FFF2-40B4-BE49-F238E27FC236}">
-                <a16:creationId xmlns:a16="http://schemas.microsoft.com/office/drawing/2014/main" xmlns="" id="{47DA08B9-ADFB-2DE1-86F3-0212649850D9}"/>
+                <a16:creationId xmlns="" xmlns:a16="http://schemas.microsoft.com/office/drawing/2014/main" id="{47DA08B9-ADFB-2DE1-86F3-0212649850D9}"/>
               </a:ext>
             </a:extLst>
           </p:cNvPr>
@@ -6271,7 +6271,7 @@
           <p:cNvPr id="3" name="Місце для вмісту 2">
             <a:extLst>
               <a:ext uri="{FF2B5EF4-FFF2-40B4-BE49-F238E27FC236}">
-                <a16:creationId xmlns:a16="http://schemas.microsoft.com/office/drawing/2014/main" xmlns="" id="{F656CF6A-30CC-7CDA-5E46-C6B092BDC063}"/>
+                <a16:creationId xmlns="" xmlns:a16="http://schemas.microsoft.com/office/drawing/2014/main" id="{F656CF6A-30CC-7CDA-5E46-C6B092BDC063}"/>
               </a:ext>
             </a:extLst>
           </p:cNvPr>
@@ -6653,7 +6653,7 @@
   <a:extraClrSchemeLst/>
   <a:extLst>
     <a:ext uri="{05A4C25C-085E-4340-85A3-A5531E510DB2}">
-      <thm15:themeFamily xmlns:thm15="http://schemas.microsoft.com/office/thememl/2012/main" xmlns="" name="Тема1" id="{884C1F1E-9F01-4BBC-9178-D2152F7854D1}" vid="{BC98F467-AD48-49C5-B04A-5003BE156FC1}"/>
+      <thm15:themeFamily xmlns="" xmlns:thm15="http://schemas.microsoft.com/office/thememl/2012/main" name="Тема1" id="{884C1F1E-9F01-4BBC-9178-D2152F7854D1}" vid="{BC98F467-AD48-49C5-B04A-5003BE156FC1}"/>
     </a:ext>
   </a:extLst>
 </a:theme>
